--- a/2013/RecruitingOverview.pptx
+++ b/2013/RecruitingOverview.pptx
@@ -288,7 +288,7 @@
           <a:p>
             <a:fld id="{3F089746-B732-5A47-A521-81825A2C5BA0}" type="datetimeFigureOut">
               <a:rPr lang="en-US" smtClean="0"/>
-              <a:t>9/26/13</a:t>
+              <a:t>9/30/13</a:t>
             </a:fld>
             <a:endParaRPr lang="en-US"/>
           </a:p>
@@ -458,7 +458,7 @@
           <a:p>
             <a:fld id="{3F089746-B732-5A47-A521-81825A2C5BA0}" type="datetimeFigureOut">
               <a:rPr lang="en-US" smtClean="0"/>
-              <a:t>9/26/13</a:t>
+              <a:t>9/30/13</a:t>
             </a:fld>
             <a:endParaRPr lang="en-US"/>
           </a:p>
@@ -638,7 +638,7 @@
           <a:p>
             <a:fld id="{3F089746-B732-5A47-A521-81825A2C5BA0}" type="datetimeFigureOut">
               <a:rPr lang="en-US" smtClean="0"/>
-              <a:t>9/26/13</a:t>
+              <a:t>9/30/13</a:t>
             </a:fld>
             <a:endParaRPr lang="en-US"/>
           </a:p>
@@ -808,7 +808,7 @@
           <a:p>
             <a:fld id="{3F089746-B732-5A47-A521-81825A2C5BA0}" type="datetimeFigureOut">
               <a:rPr lang="en-US" smtClean="0"/>
-              <a:t>9/26/13</a:t>
+              <a:t>9/30/13</a:t>
             </a:fld>
             <a:endParaRPr lang="en-US"/>
           </a:p>
@@ -1054,7 +1054,7 @@
           <a:p>
             <a:fld id="{3F089746-B732-5A47-A521-81825A2C5BA0}" type="datetimeFigureOut">
               <a:rPr lang="en-US" smtClean="0"/>
-              <a:t>9/26/13</a:t>
+              <a:t>9/30/13</a:t>
             </a:fld>
             <a:endParaRPr lang="en-US"/>
           </a:p>
@@ -1342,7 +1342,7 @@
           <a:p>
             <a:fld id="{3F089746-B732-5A47-A521-81825A2C5BA0}" type="datetimeFigureOut">
               <a:rPr lang="en-US" smtClean="0"/>
-              <a:t>9/26/13</a:t>
+              <a:t>9/30/13</a:t>
             </a:fld>
             <a:endParaRPr lang="en-US"/>
           </a:p>
@@ -1764,7 +1764,7 @@
           <a:p>
             <a:fld id="{3F089746-B732-5A47-A521-81825A2C5BA0}" type="datetimeFigureOut">
               <a:rPr lang="en-US" smtClean="0"/>
-              <a:t>9/26/13</a:t>
+              <a:t>9/30/13</a:t>
             </a:fld>
             <a:endParaRPr lang="en-US"/>
           </a:p>
@@ -1882,7 +1882,7 @@
           <a:p>
             <a:fld id="{3F089746-B732-5A47-A521-81825A2C5BA0}" type="datetimeFigureOut">
               <a:rPr lang="en-US" smtClean="0"/>
-              <a:t>9/26/13</a:t>
+              <a:t>9/30/13</a:t>
             </a:fld>
             <a:endParaRPr lang="en-US"/>
           </a:p>
@@ -1977,7 +1977,7 @@
           <a:p>
             <a:fld id="{3F089746-B732-5A47-A521-81825A2C5BA0}" type="datetimeFigureOut">
               <a:rPr lang="en-US" smtClean="0"/>
-              <a:t>9/26/13</a:t>
+              <a:t>9/30/13</a:t>
             </a:fld>
             <a:endParaRPr lang="en-US"/>
           </a:p>
@@ -2254,7 +2254,7 @@
           <a:p>
             <a:fld id="{3F089746-B732-5A47-A521-81825A2C5BA0}" type="datetimeFigureOut">
               <a:rPr lang="en-US" smtClean="0"/>
-              <a:t>9/26/13</a:t>
+              <a:t>9/30/13</a:t>
             </a:fld>
             <a:endParaRPr lang="en-US"/>
           </a:p>
@@ -2507,7 +2507,7 @@
           <a:p>
             <a:fld id="{3F089746-B732-5A47-A521-81825A2C5BA0}" type="datetimeFigureOut">
               <a:rPr lang="en-US" smtClean="0"/>
-              <a:t>9/26/13</a:t>
+              <a:t>9/30/13</a:t>
             </a:fld>
             <a:endParaRPr lang="en-US"/>
           </a:p>
@@ -2720,7 +2720,7 @@
           <a:p>
             <a:fld id="{3F089746-B732-5A47-A521-81825A2C5BA0}" type="datetimeFigureOut">
               <a:rPr lang="en-US" smtClean="0"/>
-              <a:t>9/26/13</a:t>
+              <a:t>9/30/13</a:t>
             </a:fld>
             <a:endParaRPr lang="en-US"/>
           </a:p>
@@ -3112,8 +3112,8 @@
         </p:blipFill>
         <p:spPr bwMode="auto">
           <a:xfrm>
-            <a:off x="203655" y="196976"/>
-            <a:ext cx="1431900" cy="1452068"/>
+            <a:off x="598763" y="182865"/>
+            <a:ext cx="1132117" cy="1148063"/>
           </a:xfrm>
           <a:prstGeom prst="rect">
             <a:avLst/>
@@ -3135,7 +3135,7 @@
         </p:nvSpPr>
         <p:spPr>
           <a:xfrm>
-            <a:off x="2139351" y="371819"/>
+            <a:off x="2139351" y="-23289"/>
             <a:ext cx="3562494" cy="707886"/>
           </a:xfrm>
           <a:prstGeom prst="rect">
@@ -3210,8 +3210,8 @@
         </p:nvSpPr>
         <p:spPr>
           <a:xfrm>
-            <a:off x="308841" y="1812923"/>
-            <a:ext cx="6337926" cy="7220970"/>
+            <a:off x="203654" y="1453445"/>
+            <a:ext cx="6555567" cy="7648222"/>
           </a:xfrm>
           <a:prstGeom prst="rect">
             <a:avLst/>
@@ -3237,9 +3237,6 @@
             </a:r>
           </a:p>
           <a:p>
-            <a:endParaRPr lang="en-US" sz="1200" dirty="0" smtClean="0"/>
-          </a:p>
-          <a:p>
             <a:pPr marL="285750" indent="-285750">
               <a:buFont typeface="Wingdings" charset="2"/>
               <a:buChar char="Ø"/>
@@ -3255,7 +3252,15 @@
           <a:p>
             <a:r>
               <a:rPr lang="en-US" sz="1200" dirty="0" smtClean="0"/>
-              <a:t>What patrol will me scout go into when joining Troop 457?</a:t>
+              <a:t>What patrol will </a:t>
+            </a:r>
+            <a:r>
+              <a:rPr lang="en-US" sz="1200" dirty="0" smtClean="0"/>
+              <a:t>my </a:t>
+            </a:r>
+            <a:r>
+              <a:rPr lang="en-US" sz="1200" dirty="0" smtClean="0"/>
+              <a:t>scout go into when joining Troop 457?</a:t>
             </a:r>
           </a:p>
           <a:p>
@@ -3265,11 +3270,11 @@
             </a:pPr>
             <a:r>
               <a:rPr lang="en-US" sz="1200" dirty="0" smtClean="0"/>
-              <a:t>All new scouts are placed in a “Tenderfoot” patrol upon the bridging into </a:t>
+              <a:t>All new scouts are placed in a “Tenderfoot” patrol upon the bridging into the troop. This allows them to work together on portions of the first 3 rank badges commonly referred to as the Trail To First Class. After summer camp (in early July), the scout are divided up among the existing 3 patrols (and scouts who are </a:t>
             </a:r>
             <a:r>
               <a:rPr lang="en-US" sz="1200" dirty="0" smtClean="0"/>
-              <a:t>the troop. This allows them to work together on portions of the first 3 rank badges commonly referred to as the Trail To First Class. After summer camp (in early July), the scout are divided up among the existing 3 patrols (and scouts who are 16 </a:t>
+              <a:t>turning 16 </a:t>
             </a:r>
             <a:r>
               <a:rPr lang="en-US" sz="1200" dirty="0" err="1" smtClean="0"/>
@@ -3277,7 +3282,15 @@
             </a:r>
             <a:r>
               <a:rPr lang="en-US" sz="1200" dirty="0" smtClean="0"/>
-              <a:t> and older move to the Senior Patrol). </a:t>
+              <a:t> </a:t>
+            </a:r>
+            <a:r>
+              <a:rPr lang="en-US" sz="1200" dirty="0" smtClean="0"/>
+              <a:t>old move </a:t>
+            </a:r>
+            <a:r>
+              <a:rPr lang="en-US" sz="1200" dirty="0" smtClean="0"/>
+              <a:t>to the Senior Patrol). </a:t>
             </a:r>
           </a:p>
           <a:p>
@@ -3367,14 +3380,27 @@
             </a:pPr>
             <a:r>
               <a:rPr lang="en-US" sz="1200" dirty="0" smtClean="0"/>
-              <a:t>Troop 457 provides tents, ground cloths, a patrol box w/ cooking utensils, stoves, etc. So scouts are only required to provide their own: sleeping bags, hiking boots, eating utensils and clothing. The must also provide uniforms. There is an adult patrol box for parents who decide to join treks and plenty of gear to be borrowed, so no adult has an equipment excuse for attending a campout </a:t>
-            </a:r>
-            <a:r>
-              <a:rPr lang="en-US" sz="1200" dirty="0" smtClean="0">
-                <a:sym typeface="Wingdings"/>
-              </a:rPr>
-              <a:t> </a:t>
-            </a:r>
+              <a:t>Troop 457 provides </a:t>
+            </a:r>
+            <a:r>
+              <a:rPr lang="en-US" sz="1200" dirty="0" smtClean="0"/>
+              <a:t>troop t-shirt, tents</a:t>
+            </a:r>
+            <a:r>
+              <a:rPr lang="en-US" sz="1200" dirty="0" smtClean="0"/>
+              <a:t>, ground cloths, a patrol box w/ cooking utensils, stoves, etc. So scouts are only required to provide their own: sleeping bags, hiking boots, eating utensils and clothing. </a:t>
+            </a:r>
+            <a:r>
+              <a:rPr lang="en-US" sz="1200" dirty="0" smtClean="0"/>
+              <a:t>They </a:t>
+            </a:r>
+            <a:r>
+              <a:rPr lang="en-US" sz="1200" dirty="0" smtClean="0"/>
+              <a:t>must also provide uniforms. </a:t>
+            </a:r>
+            <a:endParaRPr lang="en-US" sz="1200" dirty="0" smtClean="0">
+              <a:sym typeface="Wingdings"/>
+            </a:endParaRPr>
           </a:p>
           <a:p>
             <a:endParaRPr lang="en-US" sz="1200" dirty="0">
@@ -3404,9 +3430,121 @@
               <a:rPr lang="en-US" sz="1200" dirty="0" smtClean="0">
                 <a:sym typeface="Wingdings"/>
               </a:rPr>
-              <a:t>Yearly registration cost is $65 w/ weekly dues of $1. In addition, the troop performs one fund raising activity a year (selling popcorn) and each scout is required to sell at least $300. This funds the troop for the entire year for camp reservation, courts of honor and new equipment.</a:t>
+              <a:t>Yearly registration cost is $65 w/ weekly dues of $1. In addition, the troop performs one fund raising activity a year (selling popcorn) and each scout is required to sell at least $300. This funds the troop for the entire year for camp reservation, courts of honor and new equipment</a:t>
+            </a:r>
+            <a:r>
+              <a:rPr lang="en-US" sz="1200" dirty="0" smtClean="0">
+                <a:sym typeface="Wingdings"/>
+              </a:rPr>
+              <a:t>.</a:t>
+            </a:r>
+          </a:p>
+          <a:p>
+            <a:pPr marL="171450" indent="-171450">
+              <a:buFont typeface="Wingdings" charset="2"/>
+              <a:buChar char="Ø"/>
+            </a:pPr>
+            <a:endParaRPr lang="en-US" sz="1200" dirty="0" smtClean="0">
+              <a:sym typeface="Wingdings"/>
+            </a:endParaRPr>
+          </a:p>
+          <a:p>
+            <a:r>
+              <a:rPr lang="en-US" sz="1200" dirty="0" smtClean="0">
+                <a:sym typeface="Wingdings"/>
+              </a:rPr>
+              <a:t>How does my scout join Troop 457?</a:t>
+            </a:r>
+            <a:endParaRPr lang="en-US" sz="1200" dirty="0">
+              <a:sym typeface="Wingdings"/>
+            </a:endParaRPr>
+          </a:p>
+          <a:p>
+            <a:pPr marL="171450" indent="-171450">
+              <a:buFont typeface="Wingdings" charset="2"/>
+              <a:buChar char="Ø"/>
+            </a:pPr>
+            <a:r>
+              <a:rPr lang="en-US" sz="1200" dirty="0" smtClean="0">
+                <a:sym typeface="Wingdings"/>
+              </a:rPr>
+              <a:t>Scouts should attend at least 2  troop meetings and we’d prefer him to also attend a troop outdoor activity.  He should also schedule a Scoutmaster Conference with Mike Klein, our scoutmaster. If after getting to know Troop 457 he is interested in joining Troop 457, an email to Scott Davidson indicating a desire to join troop is required and he will be reviewed by the committee.</a:t>
             </a:r>
             <a:endParaRPr lang="en-US" sz="1200" dirty="0" smtClean="0"/>
+          </a:p>
+        </p:txBody>
+      </p:sp>
+      <p:sp>
+        <p:nvSpPr>
+          <p:cNvPr id="2" name="TextBox 1"/>
+          <p:cNvSpPr txBox="1"/>
+          <p:nvPr/>
+        </p:nvSpPr>
+        <p:spPr>
+          <a:xfrm>
+            <a:off x="2714349" y="698708"/>
+            <a:ext cx="4044872" cy="646331"/>
+          </a:xfrm>
+          <a:prstGeom prst="rect">
+            <a:avLst/>
+          </a:prstGeom>
+          <a:noFill/>
+          <a:ln>
+            <a:solidFill>
+              <a:schemeClr val="accent3">
+                <a:lumMod val="75000"/>
+              </a:schemeClr>
+            </a:solidFill>
+          </a:ln>
+        </p:spPr>
+        <p:txBody>
+          <a:bodyPr wrap="none" rtlCol="0">
+            <a:spAutoFit/>
+          </a:bodyPr>
+          <a:lstStyle/>
+          <a:p>
+            <a:r>
+              <a:rPr lang="en-US" sz="1200" dirty="0" smtClean="0"/>
+              <a:t>Contacts:</a:t>
+            </a:r>
+          </a:p>
+          <a:p>
+            <a:r>
+              <a:rPr lang="en-US" sz="1200" dirty="0"/>
+              <a:t> </a:t>
+            </a:r>
+            <a:r>
+              <a:rPr lang="en-US" sz="1200" dirty="0" smtClean="0"/>
+              <a:t> Scott Davidson, Committee Chair, </a:t>
+            </a:r>
+            <a:r>
+              <a:rPr lang="en-US" sz="1200" dirty="0" smtClean="0">
+                <a:hlinkClick r:id="rId3"/>
+              </a:rPr>
+              <a:t>scott@scott-davidson.com</a:t>
+            </a:r>
+            <a:endParaRPr lang="en-US" sz="1200" dirty="0" smtClean="0"/>
+          </a:p>
+          <a:p>
+            <a:r>
+              <a:rPr lang="en-US" sz="1200" dirty="0"/>
+              <a:t> </a:t>
+            </a:r>
+            <a:r>
+              <a:rPr lang="en-US" sz="1200" dirty="0" smtClean="0"/>
+              <a:t> Mike Klein, Scoutmaster,  </a:t>
+            </a:r>
+            <a:r>
+              <a:rPr lang="en-US" sz="1200" dirty="0" smtClean="0">
+                <a:hlinkClick r:id="rId4"/>
+              </a:rPr>
+              <a:t>mkleinsf@yahoo.com</a:t>
+            </a:r>
+            <a:r>
+              <a:rPr lang="en-US" sz="1200" dirty="0" smtClean="0"/>
+              <a:t> </a:t>
+            </a:r>
+            <a:endParaRPr lang="en-US" sz="1200" dirty="0"/>
           </a:p>
         </p:txBody>
       </p:sp>
